--- a/sql/src/main/resources/presentation.pptx
+++ b/sql/src/main/resources/presentation.pptx
@@ -3576,7 +3576,7 @@
     <mc:Choice Requires="p14">
       <p:transition spd="slow" p14:dur="2000"/>
     </mc:Choice>
-    <mc:Fallback xmlns="" xmlns:p15="http://schemas.microsoft.com/office/powerpoint/2012/main">
+    <mc:Fallback xmlns:p15="http://schemas.microsoft.com/office/powerpoint/2012/main" xmlns="">
       <p:transition spd="slow"/>
     </mc:Fallback>
   </mc:AlternateContent>
@@ -4963,7 +4963,7 @@
     <mc:Choice Requires="p14">
       <p:transition spd="slow" p14:dur="2000"/>
     </mc:Choice>
-    <mc:Fallback xmlns="" xmlns:p15="http://schemas.microsoft.com/office/powerpoint/2012/main">
+    <mc:Fallback xmlns:p15="http://schemas.microsoft.com/office/powerpoint/2012/main" xmlns="">
       <p:transition spd="slow"/>
     </mc:Fallback>
   </mc:AlternateContent>
@@ -5077,7 +5077,7 @@
     <mc:Choice Requires="p14">
       <p:transition spd="slow" p14:dur="2000"/>
     </mc:Choice>
-    <mc:Fallback xmlns="" xmlns:p15="http://schemas.microsoft.com/office/powerpoint/2012/main">
+    <mc:Fallback xmlns:p15="http://schemas.microsoft.com/office/powerpoint/2012/main" xmlns="">
       <p:transition spd="slow"/>
     </mc:Fallback>
   </mc:AlternateContent>
@@ -5190,32 +5190,60 @@
               <a:t> </a:t>
             </a:r>
             <a:r>
-              <a:rPr lang="en-US" sz="1500" b="0" strike="noStrike" spc="-1" dirty="0" err="1">
+              <a:rPr lang="en-US" sz="1500" b="0" strike="noStrike" spc="-1" dirty="0" err="1" smtClean="0">
                 <a:latin typeface="+mj-lt"/>
                 <a:ea typeface="JetBrains Mono"/>
               </a:rPr>
               <a:t>sql-файлов</a:t>
             </a:r>
             <a:r>
-              <a:rPr lang="en-US" sz="1500" b="0" strike="noStrike" spc="-1" dirty="0">
-                <a:latin typeface="+mj-lt"/>
-                <a:ea typeface="JetBrains Mono"/>
-              </a:rPr>
-              <a:t> с </a:t>
-            </a:r>
-            <a:r>
-              <a:rPr lang="en-US" sz="1500" b="0" strike="noStrike" spc="-1" dirty="0" err="1">
+              <a:rPr lang="ru-RU" sz="1500" b="0" strike="noStrike" spc="-1" dirty="0" smtClean="0">
+                <a:latin typeface="+mj-lt"/>
+                <a:ea typeface="JetBrains Mono"/>
+              </a:rPr>
+              <a:t> (</a:t>
+            </a:r>
+            <a:r>
+              <a:rPr lang="en-US" sz="1500" b="0" strike="noStrike" spc="-1" dirty="0" err="1" smtClean="0">
+                <a:latin typeface="+mj-lt"/>
+                <a:ea typeface="JetBrains Mono"/>
+              </a:rPr>
+              <a:t>homework.sql</a:t>
+            </a:r>
+            <a:r>
+              <a:rPr lang="en-US" sz="1500" b="0" strike="noStrike" spc="-1" dirty="0" smtClean="0">
+                <a:latin typeface="+mj-lt"/>
+                <a:ea typeface="JetBrains Mono"/>
+              </a:rPr>
+              <a:t>)  </a:t>
+            </a:r>
+            <a:r>
+              <a:rPr lang="ru-RU" sz="1500" b="0" strike="noStrike" spc="-1" dirty="0" smtClean="0">
+                <a:latin typeface="+mj-lt"/>
+                <a:ea typeface="JetBrains Mono"/>
+              </a:rPr>
+              <a:t>и </a:t>
+            </a:r>
+            <a:r>
+              <a:rPr lang="en-US" sz="1500" b="0" strike="noStrike" spc="-1" dirty="0" err="1" smtClean="0">
                 <a:latin typeface="+mj-lt"/>
                 <a:ea typeface="JetBrains Mono"/>
               </a:rPr>
               <a:t>создать</a:t>
             </a:r>
             <a:r>
-              <a:rPr lang="en-US" sz="1500" b="0" strike="noStrike" spc="-1" dirty="0">
-                <a:latin typeface="+mj-lt"/>
-                <a:ea typeface="JetBrains Mono"/>
-              </a:rPr>
-              <a:t> materialized view</a:t>
+              <a:rPr lang="en-US" sz="1500" b="0" strike="noStrike" spc="-1" dirty="0" smtClean="0">
+                <a:latin typeface="+mj-lt"/>
+                <a:ea typeface="JetBrains Mono"/>
+              </a:rPr>
+              <a:t> </a:t>
+            </a:r>
+            <a:r>
+              <a:rPr lang="en-US" sz="1500" b="0" strike="noStrike" spc="-1" dirty="0">
+                <a:latin typeface="+mj-lt"/>
+                <a:ea typeface="JetBrains Mono"/>
+              </a:rPr>
+              <a:t>materialized view</a:t>
             </a:r>
             <a:r>
               <a:rPr lang="en-US" sz="1500" b="0" strike="noStrike" spc="-1" dirty="0" smtClean="0">
@@ -6845,7 +6873,7 @@
     <mc:Choice Requires="p14">
       <p:transition spd="slow" p14:dur="2000"/>
     </mc:Choice>
-    <mc:Fallback xmlns="" xmlns:p15="http://schemas.microsoft.com/office/powerpoint/2012/main">
+    <mc:Fallback xmlns:p15="http://schemas.microsoft.com/office/powerpoint/2012/main" xmlns="">
       <p:transition spd="slow"/>
     </mc:Fallback>
   </mc:AlternateContent>
@@ -7760,7 +7788,7 @@
     <mc:Choice Requires="p14">
       <p:transition spd="slow" p14:dur="2000"/>
     </mc:Choice>
-    <mc:Fallback xmlns="" xmlns:p15="http://schemas.microsoft.com/office/powerpoint/2012/main">
+    <mc:Fallback xmlns:p15="http://schemas.microsoft.com/office/powerpoint/2012/main" xmlns="">
       <p:transition spd="slow"/>
     </mc:Fallback>
   </mc:AlternateContent>
@@ -9819,7 +9847,7 @@
     <mc:Choice Requires="p14">
       <p:transition spd="slow" p14:dur="2000"/>
     </mc:Choice>
-    <mc:Fallback xmlns="" xmlns:p15="http://schemas.microsoft.com/office/powerpoint/2012/main">
+    <mc:Fallback xmlns:p15="http://schemas.microsoft.com/office/powerpoint/2012/main" xmlns="">
       <p:transition spd="slow"/>
     </mc:Fallback>
   </mc:AlternateContent>
@@ -10156,7 +10184,7 @@
     <mc:Choice Requires="p14">
       <p:transition spd="slow" p14:dur="2000"/>
     </mc:Choice>
-    <mc:Fallback xmlns="" xmlns:p15="http://schemas.microsoft.com/office/powerpoint/2012/main">
+    <mc:Fallback xmlns:p15="http://schemas.microsoft.com/office/powerpoint/2012/main" xmlns="">
       <p:transition spd="slow"/>
     </mc:Fallback>
   </mc:AlternateContent>
@@ -10280,7 +10308,7 @@
     <mc:Choice Requires="p14">
       <p:transition spd="slow" p14:dur="2000"/>
     </mc:Choice>
-    <mc:Fallback xmlns="" xmlns:p15="http://schemas.microsoft.com/office/powerpoint/2012/main">
+    <mc:Fallback xmlns:p15="http://schemas.microsoft.com/office/powerpoint/2012/main" xmlns="">
       <p:transition spd="slow"/>
     </mc:Fallback>
   </mc:AlternateContent>
@@ -10444,7 +10472,7 @@
     <mc:Choice Requires="p14">
       <p:transition spd="slow" p14:dur="2000"/>
     </mc:Choice>
-    <mc:Fallback xmlns="" xmlns:p15="http://schemas.microsoft.com/office/powerpoint/2012/main">
+    <mc:Fallback xmlns:p15="http://schemas.microsoft.com/office/powerpoint/2012/main" xmlns="">
       <p:transition spd="slow"/>
     </mc:Fallback>
   </mc:AlternateContent>
@@ -10640,7 +10668,7 @@
     <mc:Choice Requires="p14">
       <p:transition spd="slow" p14:dur="2000"/>
     </mc:Choice>
-    <mc:Fallback xmlns="" xmlns:p15="http://schemas.microsoft.com/office/powerpoint/2012/main">
+    <mc:Fallback xmlns:p15="http://schemas.microsoft.com/office/powerpoint/2012/main" xmlns="">
       <p:transition spd="slow"/>
     </mc:Fallback>
   </mc:AlternateContent>
@@ -10760,7 +10788,7 @@
     <mc:Choice Requires="p14">
       <p:transition spd="slow" p14:dur="2000"/>
     </mc:Choice>
-    <mc:Fallback xmlns="" xmlns:p15="http://schemas.microsoft.com/office/powerpoint/2012/main">
+    <mc:Fallback xmlns:p15="http://schemas.microsoft.com/office/powerpoint/2012/main" xmlns="">
       <p:transition spd="slow"/>
     </mc:Fallback>
   </mc:AlternateContent>
@@ -12538,7 +12566,7 @@
     <mc:Choice Requires="p14">
       <p:transition spd="slow" p14:dur="2000"/>
     </mc:Choice>
-    <mc:Fallback xmlns="" xmlns:p15="http://schemas.microsoft.com/office/powerpoint/2012/main">
+    <mc:Fallback xmlns:p15="http://schemas.microsoft.com/office/powerpoint/2012/main" xmlns="">
       <p:transition spd="slow"/>
     </mc:Fallback>
   </mc:AlternateContent>
